--- a/GamPartsAndTerms.pptx
+++ b/GamPartsAndTerms.pptx
@@ -37134,14 +37134,14 @@
           <p:nvPr>
             <p:extLst>
               <p:ext uri="{D42A27DB-BD31-4B8C-83A1-F6EECF244321}">
-                <p14:modId xmlns:p14="http://schemas.microsoft.com/office/powerpoint/2010/main" val="124204177"/>
+                <p14:modId xmlns:p14="http://schemas.microsoft.com/office/powerpoint/2010/main" val="2090400596"/>
               </p:ext>
             </p:extLst>
           </p:nvPr>
         </p:nvGraphicFramePr>
         <p:xfrm>
           <a:off x="2032000" y="1998276"/>
-          <a:ext cx="8127999" cy="2595880"/>
+          <a:ext cx="8127999" cy="2966720"/>
         </p:xfrm>
         <a:graphic>
           <a:graphicData uri="http://schemas.openxmlformats.org/drawingml/2006/table">
@@ -37150,14 +37150,14 @@
                 <a:tableStyleId>{5C22544A-7EE6-4342-B048-85BDC9FD1C3A}</a:tableStyleId>
               </a:tblPr>
               <a:tblGrid>
-                <a:gridCol w="2709333">
+                <a:gridCol w="2891692">
                   <a:extLst>
                     <a:ext uri="{9D8B030D-6E8A-4147-A177-3AD203B41FA5}">
                       <a16:colId xmlns:a16="http://schemas.microsoft.com/office/drawing/2014/main" val="620975307"/>
                     </a:ext>
                   </a:extLst>
                 </a:gridCol>
-                <a:gridCol w="2709333">
+                <a:gridCol w="2526974">
                   <a:extLst>
                     <a:ext uri="{9D8B030D-6E8A-4147-A177-3AD203B41FA5}">
                       <a16:colId xmlns:a16="http://schemas.microsoft.com/office/drawing/2014/main" val="3994683875"/>
@@ -37319,7 +37319,7 @@
                     <a:p>
                       <a:r>
                         <a:rPr lang="en-US" dirty="0"/>
-                        <a:t>CRYENGINE</a:t>
+                        <a:t>CRYENGINE/Lumber Yard</a:t>
                       </a:r>
                     </a:p>
                   </a:txBody>
@@ -37376,20 +37376,24 @@
                     <a:bodyPr/>
                     <a:lstStyle/>
                     <a:p>
-                      <a:endParaRPr lang="en-US" dirty="0"/>
-                    </a:p>
-                  </a:txBody>
-                  <a:tcPr/>
-                </a:tc>
-                <a:tc>
-                  <a:txBody>
-                    <a:bodyPr/>
-                    <a:lstStyle/>
-                    <a:p>
                       <a:r>
                         <a:rPr lang="en-US" dirty="0"/>
-                        <a:t>Node</a:t>
+                        <a:t>Scene</a:t>
                       </a:r>
+                    </a:p>
+                  </a:txBody>
+                  <a:tcPr/>
+                </a:tc>
+                <a:tc>
+                  <a:txBody>
+                    <a:bodyPr/>
+                    <a:lstStyle/>
+                    <a:p>
+                      <a:r>
+                        <a:rPr lang="en-US" dirty="0" err="1"/>
+                        <a:t>GameObject</a:t>
+                      </a:r>
+                      <a:endParaRPr lang="en-US" dirty="0"/>
                     </a:p>
                   </a:txBody>
                   <a:tcPr/>
@@ -37465,7 +37469,10 @@
                     <a:bodyPr/>
                     <a:lstStyle/>
                     <a:p>
-                      <a:endParaRPr lang="en-US" dirty="0"/>
+                      <a:r>
+                        <a:rPr lang="en-US" dirty="0"/>
+                        <a:t>Room </a:t>
+                      </a:r>
                     </a:p>
                   </a:txBody>
                   <a:tcPr/>
@@ -37475,7 +37482,10 @@
                     <a:bodyPr/>
                     <a:lstStyle/>
                     <a:p>
-                      <a:endParaRPr lang="en-US" dirty="0"/>
+                      <a:r>
+                        <a:rPr lang="en-US" dirty="0"/>
+                        <a:t>Instance</a:t>
+                      </a:r>
                     </a:p>
                   </a:txBody>
                   <a:tcPr/>
@@ -37483,6 +37493,52 @@
                 <a:extLst>
                   <a:ext uri="{0D108BD9-81ED-4DB2-BD59-A6C34878D82A}">
                     <a16:rowId xmlns:a16="http://schemas.microsoft.com/office/drawing/2014/main" val="4167569233"/>
+                  </a:ext>
+                </a:extLst>
+              </a:tr>
+              <a:tr h="370840">
+                <a:tc>
+                  <a:txBody>
+                    <a:bodyPr/>
+                    <a:lstStyle/>
+                    <a:p>
+                      <a:r>
+                        <a:rPr lang="en-US" dirty="0"/>
+                        <a:t>Ogre</a:t>
+                      </a:r>
+                    </a:p>
+                  </a:txBody>
+                  <a:tcPr/>
+                </a:tc>
+                <a:tc>
+                  <a:txBody>
+                    <a:bodyPr/>
+                    <a:lstStyle/>
+                    <a:p>
+                      <a:r>
+                        <a:rPr lang="en-US" dirty="0"/>
+                        <a:t>Scene</a:t>
+                      </a:r>
+                    </a:p>
+                  </a:txBody>
+                  <a:tcPr/>
+                </a:tc>
+                <a:tc>
+                  <a:txBody>
+                    <a:bodyPr/>
+                    <a:lstStyle/>
+                    <a:p>
+                      <a:r>
+                        <a:rPr lang="en-US" dirty="0"/>
+                        <a:t>Entity</a:t>
+                      </a:r>
+                    </a:p>
+                  </a:txBody>
+                  <a:tcPr/>
+                </a:tc>
+                <a:extLst>
+                  <a:ext uri="{0D108BD9-81ED-4DB2-BD59-A6C34878D82A}">
+                    <a16:rowId xmlns:a16="http://schemas.microsoft.com/office/drawing/2014/main" val="1063803186"/>
                   </a:ext>
                 </a:extLst>
               </a:tr>
@@ -37490,6 +37546,314 @@
           </a:graphicData>
         </a:graphic>
       </p:graphicFrame>
+      <p:pic>
+        <p:nvPicPr>
+          <p:cNvPr id="13" name="Picture 12">
+            <a:extLst>
+              <a:ext uri="{FF2B5EF4-FFF2-40B4-BE49-F238E27FC236}">
+                <a16:creationId xmlns:a16="http://schemas.microsoft.com/office/drawing/2014/main" id="{2BFD712C-8764-4C70-90FB-3815360C97D3}"/>
+              </a:ext>
+            </a:extLst>
+          </p:cNvPr>
+          <p:cNvPicPr>
+            <a:picLocks noChangeAspect="1"/>
+          </p:cNvPicPr>
+          <p:nvPr/>
+        </p:nvPicPr>
+        <p:blipFill>
+          <a:blip r:embed="rId2"/>
+          <a:stretch>
+            <a:fillRect/>
+          </a:stretch>
+        </p:blipFill>
+        <p:spPr>
+          <a:xfrm>
+            <a:off x="4513431" y="2360002"/>
+            <a:ext cx="391217" cy="391217"/>
+          </a:xfrm>
+          <a:prstGeom prst="rect">
+            <a:avLst/>
+          </a:prstGeom>
+        </p:spPr>
+      </p:pic>
+      <p:pic>
+        <p:nvPicPr>
+          <p:cNvPr id="1026" name="Picture 2" descr="See the source image">
+            <a:extLst>
+              <a:ext uri="{FF2B5EF4-FFF2-40B4-BE49-F238E27FC236}">
+                <a16:creationId xmlns:a16="http://schemas.microsoft.com/office/drawing/2014/main" id="{D0C44A31-484A-4CEA-ABBE-8863B2F32BF8}"/>
+              </a:ext>
+            </a:extLst>
+          </p:cNvPr>
+          <p:cNvPicPr>
+            <a:picLocks noChangeAspect="1" noChangeArrowheads="1"/>
+          </p:cNvPicPr>
+          <p:nvPr/>
+        </p:nvPicPr>
+        <p:blipFill>
+          <a:blip r:embed="rId3">
+            <a:extLst>
+              <a:ext uri="{28A0092B-C50C-407E-A947-70E740481C1C}">
+                <a14:useLocalDpi xmlns:a14="http://schemas.microsoft.com/office/drawing/2010/main" val="0"/>
+              </a:ext>
+            </a:extLst>
+          </a:blip>
+          <a:srcRect/>
+          <a:stretch>
+            <a:fillRect/>
+          </a:stretch>
+        </p:blipFill>
+        <p:spPr bwMode="auto">
+          <a:xfrm>
+            <a:off x="4529896" y="2751219"/>
+            <a:ext cx="358287" cy="358287"/>
+          </a:xfrm>
+          <a:prstGeom prst="rect">
+            <a:avLst/>
+          </a:prstGeom>
+          <a:noFill/>
+          <a:extLst>
+            <a:ext uri="{909E8E84-426E-40DD-AFC4-6F175D3DCCD1}">
+              <a14:hiddenFill xmlns:a14="http://schemas.microsoft.com/office/drawing/2010/main">
+                <a:solidFill>
+                  <a:srgbClr val="FFFFFF"/>
+                </a:solidFill>
+              </a14:hiddenFill>
+            </a:ext>
+          </a:extLst>
+        </p:spPr>
+      </p:pic>
+      <p:pic>
+        <p:nvPicPr>
+          <p:cNvPr id="1028" name="Picture 4" descr="See the source image">
+            <a:extLst>
+              <a:ext uri="{FF2B5EF4-FFF2-40B4-BE49-F238E27FC236}">
+                <a16:creationId xmlns:a16="http://schemas.microsoft.com/office/drawing/2014/main" id="{914139EA-DC6F-4740-8F87-7902C74D6C52}"/>
+              </a:ext>
+            </a:extLst>
+          </p:cNvPr>
+          <p:cNvPicPr>
+            <a:picLocks noChangeAspect="1" noChangeArrowheads="1"/>
+          </p:cNvPicPr>
+          <p:nvPr/>
+        </p:nvPicPr>
+        <p:blipFill rotWithShape="1">
+          <a:blip r:embed="rId4">
+            <a:extLst>
+              <a:ext uri="{28A0092B-C50C-407E-A947-70E740481C1C}">
+                <a14:useLocalDpi xmlns:a14="http://schemas.microsoft.com/office/drawing/2010/main" val="0"/>
+              </a:ext>
+            </a:extLst>
+          </a:blip>
+          <a:srcRect l="20552" r="29396"/>
+          <a:stretch/>
+        </p:blipFill>
+        <p:spPr bwMode="auto">
+          <a:xfrm>
+            <a:off x="4553654" y="3223080"/>
+            <a:ext cx="310770" cy="137535"/>
+          </a:xfrm>
+          <a:prstGeom prst="rect">
+            <a:avLst/>
+          </a:prstGeom>
+          <a:noFill/>
+          <a:extLst>
+            <a:ext uri="{909E8E84-426E-40DD-AFC4-6F175D3DCCD1}">
+              <a14:hiddenFill xmlns:a14="http://schemas.microsoft.com/office/drawing/2010/main">
+                <a:solidFill>
+                  <a:srgbClr val="FFFFFF"/>
+                </a:solidFill>
+              </a14:hiddenFill>
+            </a:ext>
+          </a:extLst>
+        </p:spPr>
+      </p:pic>
+      <p:pic>
+        <p:nvPicPr>
+          <p:cNvPr id="1030" name="Picture 6" descr="See the source image">
+            <a:extLst>
+              <a:ext uri="{FF2B5EF4-FFF2-40B4-BE49-F238E27FC236}">
+                <a16:creationId xmlns:a16="http://schemas.microsoft.com/office/drawing/2014/main" id="{2E55E4F8-5B84-4E9F-931C-1C3891403B8E}"/>
+              </a:ext>
+            </a:extLst>
+          </p:cNvPr>
+          <p:cNvPicPr>
+            <a:picLocks noChangeAspect="1" noChangeArrowheads="1"/>
+          </p:cNvPicPr>
+          <p:nvPr/>
+        </p:nvPicPr>
+        <p:blipFill>
+          <a:blip r:embed="rId5">
+            <a:extLst>
+              <a:ext uri="{28A0092B-C50C-407E-A947-70E740481C1C}">
+                <a14:useLocalDpi xmlns:a14="http://schemas.microsoft.com/office/drawing/2010/main" val="0"/>
+              </a:ext>
+            </a:extLst>
+          </a:blip>
+          <a:srcRect/>
+          <a:stretch>
+            <a:fillRect/>
+          </a:stretch>
+        </p:blipFill>
+        <p:spPr bwMode="auto">
+          <a:xfrm>
+            <a:off x="4521613" y="3500212"/>
+            <a:ext cx="374852" cy="321724"/>
+          </a:xfrm>
+          <a:prstGeom prst="rect">
+            <a:avLst/>
+          </a:prstGeom>
+          <a:noFill/>
+          <a:extLst>
+            <a:ext uri="{909E8E84-426E-40DD-AFC4-6F175D3DCCD1}">
+              <a14:hiddenFill xmlns:a14="http://schemas.microsoft.com/office/drawing/2010/main">
+                <a:solidFill>
+                  <a:srgbClr val="FFFFFF"/>
+                </a:solidFill>
+              </a14:hiddenFill>
+            </a:ext>
+          </a:extLst>
+        </p:spPr>
+      </p:pic>
+      <p:pic>
+        <p:nvPicPr>
+          <p:cNvPr id="1032" name="Picture 8" descr="See the source image">
+            <a:extLst>
+              <a:ext uri="{FF2B5EF4-FFF2-40B4-BE49-F238E27FC236}">
+                <a16:creationId xmlns:a16="http://schemas.microsoft.com/office/drawing/2014/main" id="{432083EC-A472-4B1F-AD99-D1788FF91F64}"/>
+              </a:ext>
+            </a:extLst>
+          </p:cNvPr>
+          <p:cNvPicPr>
+            <a:picLocks noChangeAspect="1" noChangeArrowheads="1"/>
+          </p:cNvPicPr>
+          <p:nvPr/>
+        </p:nvPicPr>
+        <p:blipFill>
+          <a:blip r:embed="rId6">
+            <a:extLst>
+              <a:ext uri="{28A0092B-C50C-407E-A947-70E740481C1C}">
+                <a14:useLocalDpi xmlns:a14="http://schemas.microsoft.com/office/drawing/2010/main" val="0"/>
+              </a:ext>
+            </a:extLst>
+          </a:blip>
+          <a:srcRect/>
+          <a:stretch>
+            <a:fillRect/>
+          </a:stretch>
+        </p:blipFill>
+        <p:spPr bwMode="auto">
+          <a:xfrm>
+            <a:off x="4511933" y="3845290"/>
+            <a:ext cx="394212" cy="382954"/>
+          </a:xfrm>
+          <a:prstGeom prst="rect">
+            <a:avLst/>
+          </a:prstGeom>
+          <a:noFill/>
+          <a:extLst>
+            <a:ext uri="{909E8E84-426E-40DD-AFC4-6F175D3DCCD1}">
+              <a14:hiddenFill xmlns:a14="http://schemas.microsoft.com/office/drawing/2010/main">
+                <a:solidFill>
+                  <a:srgbClr val="FFFFFF"/>
+                </a:solidFill>
+              </a14:hiddenFill>
+            </a:ext>
+          </a:extLst>
+        </p:spPr>
+      </p:pic>
+      <p:pic>
+        <p:nvPicPr>
+          <p:cNvPr id="1034" name="Picture 10" descr="See the source image">
+            <a:extLst>
+              <a:ext uri="{FF2B5EF4-FFF2-40B4-BE49-F238E27FC236}">
+                <a16:creationId xmlns:a16="http://schemas.microsoft.com/office/drawing/2014/main" id="{03E08CF7-0440-488E-9528-EF7C0E60B970}"/>
+              </a:ext>
+            </a:extLst>
+          </p:cNvPr>
+          <p:cNvPicPr>
+            <a:picLocks noChangeAspect="1" noChangeArrowheads="1"/>
+          </p:cNvPicPr>
+          <p:nvPr/>
+        </p:nvPicPr>
+        <p:blipFill>
+          <a:blip r:embed="rId7">
+            <a:extLst>
+              <a:ext uri="{28A0092B-C50C-407E-A947-70E740481C1C}">
+                <a14:useLocalDpi xmlns:a14="http://schemas.microsoft.com/office/drawing/2010/main" val="0"/>
+              </a:ext>
+            </a:extLst>
+          </a:blip>
+          <a:srcRect/>
+          <a:stretch>
+            <a:fillRect/>
+          </a:stretch>
+        </p:blipFill>
+        <p:spPr bwMode="auto">
+          <a:xfrm>
+            <a:off x="4551725" y="4241568"/>
+            <a:ext cx="314628" cy="317483"/>
+          </a:xfrm>
+          <a:prstGeom prst="rect">
+            <a:avLst/>
+          </a:prstGeom>
+          <a:noFill/>
+          <a:extLst>
+            <a:ext uri="{909E8E84-426E-40DD-AFC4-6F175D3DCCD1}">
+              <a14:hiddenFill xmlns:a14="http://schemas.microsoft.com/office/drawing/2010/main">
+                <a:solidFill>
+                  <a:srgbClr val="FFFFFF"/>
+                </a:solidFill>
+              </a14:hiddenFill>
+            </a:ext>
+          </a:extLst>
+        </p:spPr>
+      </p:pic>
+      <p:pic>
+        <p:nvPicPr>
+          <p:cNvPr id="1036" name="Picture 12" descr="See the source image">
+            <a:extLst>
+              <a:ext uri="{FF2B5EF4-FFF2-40B4-BE49-F238E27FC236}">
+                <a16:creationId xmlns:a16="http://schemas.microsoft.com/office/drawing/2014/main" id="{27BB46CA-F8EF-41C0-AB10-8D5CA5C3D94C}"/>
+              </a:ext>
+            </a:extLst>
+          </p:cNvPr>
+          <p:cNvPicPr>
+            <a:picLocks noChangeAspect="1" noChangeArrowheads="1"/>
+          </p:cNvPicPr>
+          <p:nvPr/>
+        </p:nvPicPr>
+        <p:blipFill rotWithShape="1">
+          <a:blip r:embed="rId8">
+            <a:extLst>
+              <a:ext uri="{28A0092B-C50C-407E-A947-70E740481C1C}">
+                <a14:useLocalDpi xmlns:a14="http://schemas.microsoft.com/office/drawing/2010/main" val="0"/>
+              </a:ext>
+            </a:extLst>
+          </a:blip>
+          <a:srcRect r="59190"/>
+          <a:stretch/>
+        </p:blipFill>
+        <p:spPr bwMode="auto">
+          <a:xfrm>
+            <a:off x="4547082" y="4636515"/>
+            <a:ext cx="323914" cy="317483"/>
+          </a:xfrm>
+          <a:prstGeom prst="rect">
+            <a:avLst/>
+          </a:prstGeom>
+          <a:noFill/>
+          <a:extLst>
+            <a:ext uri="{909E8E84-426E-40DD-AFC4-6F175D3DCCD1}">
+              <a14:hiddenFill xmlns:a14="http://schemas.microsoft.com/office/drawing/2010/main">
+                <a:solidFill>
+                  <a:srgbClr val="FFFFFF"/>
+                </a:solidFill>
+              </a14:hiddenFill>
+            </a:ext>
+          </a:extLst>
+        </p:spPr>
+      </p:pic>
     </p:spTree>
     <p:extLst>
       <p:ext uri="{BB962C8B-B14F-4D97-AF65-F5344CB8AC3E}">
